--- a/outputs/flashcards.pptx
+++ b/outputs/flashcards.pptx
@@ -9,6 +9,7 @@
     <p:sldId id="257" r:id="rId8"/>
     <p:sldId id="258" r:id="rId9"/>
     <p:sldId id="259" r:id="rId10"/>
+    <p:sldId id="260" r:id="rId11"/>
   </p:sldIdLst>
   <p:sldSz cx="9144000" cy="6858000" type="screen4x3"/>
   <p:notesSz cx="6858000" cy="9144000"/>
@@ -3087,7 +3088,7 @@
     <p:bg>
       <p:bgPr>
         <a:solidFill>
-          <a:srgbClr val="FFF8DC"/>
+          <a:srgbClr val="F8F9FA"/>
         </a:solidFill>
         <a:effectLst/>
       </p:bgPr>
@@ -3117,12 +3118,12 @@
             <a:pPr algn="ctr">
               <a:defRPr sz="3600" b="1">
                 <a:solidFill>
-                  <a:srgbClr val="FF8C00"/>
+                  <a:srgbClr val="34495E"/>
                 </a:solidFill>
               </a:defRPr>
             </a:pPr>
             <a:r>
-              <a:t>Core AI Concepts Flashcards</a:t>
+              <a:t>Understanding Transformer AI Models</a:t>
             </a:r>
           </a:p>
         </p:txBody>
@@ -3150,7 +3151,7 @@
               </a:defRPr>
             </a:pPr>
             <a:r>
-              <a:t>Total Cards: 3 | Emotion Context: Confused</a:t>
+              <a:t>Total Cards: 4 | Emotion Context: Neutral</a:t>
             </a:r>
           </a:p>
         </p:txBody>
@@ -3169,7 +3170,7 @@
     <p:bg>
       <p:bgPr>
         <a:solidFill>
-          <a:srgbClr val="FFF8DC"/>
+          <a:srgbClr val="F8F9FA"/>
         </a:solidFill>
         <a:effectLst/>
       </p:bgPr>
@@ -3206,12 +3207,12 @@
             <a:pPr algn="ctr">
               <a:defRPr sz="1600" b="1">
                 <a:solidFill>
-                  <a:srgbClr val="FF8C00"/>
+                  <a:srgbClr val="34495E"/>
                 </a:solidFill>
               </a:defRPr>
             </a:pPr>
             <a:r>
-              <a:t>Card 1 - Neural Network Fundamentals</a:t>
+              <a:t>Card 1 - The 'Black Box' Analogy</a:t>
             </a:r>
           </a:p>
         </p:txBody>
@@ -3246,7 +3247,7 @@
               </a:defRPr>
             </a:pPr>
             <a:r>
-              <a:t>Q: A neural network is struggling to correctly identify cats in images. According to its fundamental design, what specific internal change must happen for it to improve?</a:t>
+              <a:t>Q: According to the text, what is the key to understanding a complex 'black box' AI model like a Transformer?</a:t>
             </a:r>
           </a:p>
         </p:txBody>
@@ -3284,7 +3285,7 @@
               </a:defRPr>
             </a:pPr>
             <a:r>
-              <a:t>A: The network must adjust the 'weights' of the connections between its nodes. This process, called training, strengthens or weakens connections to help the network better recognize the patterns that define a 'cat'.</a:t>
+              <a:t>A: The key is to understand its simpler, individual components or 'layers,' which are described as being stacked like building blocks. By examining how each layer performs its specific job, we can understand the system as a whole.</a:t>
             </a:r>
           </a:p>
         </p:txBody>
@@ -3319,7 +3320,7 @@
               </a:defRPr>
             </a:pPr>
             <a:r>
-              <a:t>💡 Hint: Think about how the network 'learns'. It doesn't grow new parts; it changes the strength of its existing connections.</a:t>
+              <a:t>💡 Hint: Think about how you would understand any complex machine. Do you look at it all at once, or do you examine its individual parts?</a:t>
             </a:r>
           </a:p>
         </p:txBody>
@@ -3373,7 +3374,7 @@
     <p:bg>
       <p:bgPr>
         <a:solidFill>
-          <a:srgbClr val="FFF8DC"/>
+          <a:srgbClr val="F8F9FA"/>
         </a:solidFill>
         <a:effectLst/>
       </p:bgPr>
@@ -3410,12 +3411,12 @@
             <a:pPr algn="ctr">
               <a:defRPr sz="1600" b="1">
                 <a:solidFill>
-                  <a:srgbClr val="FF8C00"/>
+                  <a:srgbClr val="34495E"/>
                 </a:solidFill>
               </a:defRPr>
             </a:pPr>
             <a:r>
-              <a:t>Card 2 - Transformers vs. RNNs</a:t>
+              <a:t>Card 2 - Feedforward Networks</a:t>
             </a:r>
           </a:p>
         </p:txBody>
@@ -3450,7 +3451,7 @@
               </a:defRPr>
             </a:pPr>
             <a:r>
-              <a:t>Q: Imagine you are translating a long sentence. What is the main advantage a Transformer model has over an RNN model in understanding the sentence's full context?</a:t>
+              <a:t>Q: In a single layer of a feedforward network, what distinct roles do 'weights' and 'biases' play in transforming a piece of data?</a:t>
             </a:r>
           </a:p>
         </p:txBody>
@@ -3488,7 +3489,7 @@
               </a:defRPr>
             </a:pPr>
             <a:r>
-              <a:t>A: A Transformer processes all words in the sentence at the same time (simultaneously). This allows it to immediately see relationships between distant words (e.g., the first and last). An RNN processes words one by one (sequentially), which can make it forget the context from the beginning of a long sentence.</a:t>
+              <a:t>A: 'Weights' act like adjustable gears that precisely scale or modify the data. After that, 'biases' provide a consistent nudge or 'energy boost.' This two-step process refines the information before it passes to the next layer.</a:t>
             </a:r>
           </a:p>
         </p:txBody>
@@ -3523,7 +3524,7 @@
               </a:defRPr>
             </a:pPr>
             <a:r>
-              <a:t>💡 Hint: How does each model 'read' the sentence? One word at a time, or all at once?</a:t>
+              <a:t>💡 Hint: One is described as precisely adjusting the data, while the other gives it a simple, consistent 'nudge.'</a:t>
             </a:r>
           </a:p>
         </p:txBody>
@@ -3577,7 +3578,7 @@
     <p:bg>
       <p:bgPr>
         <a:solidFill>
-          <a:srgbClr val="FFF8DC"/>
+          <a:srgbClr val="F8F9FA"/>
         </a:solidFill>
         <a:effectLst/>
       </p:bgPr>
@@ -3614,12 +3615,12 @@
             <a:pPr algn="ctr">
               <a:defRPr sz="1600" b="1">
                 <a:solidFill>
-                  <a:srgbClr val="FF8C00"/>
+                  <a:srgbClr val="34495E"/>
                 </a:solidFill>
               </a:defRPr>
             </a:pPr>
             <a:r>
-              <a:t>Card 3 - Backpropagation</a:t>
+              <a:t>Card 3 - Self-Attention and Symmetry</a:t>
             </a:r>
           </a:p>
         </p:txBody>
@@ -3654,7 +3655,7 @@
               </a:defRPr>
             </a:pPr>
             <a:r>
-              <a:t>Q: A neural network just made a wrong prediction. What is the main *purpose* of using backpropagation at this moment?</a:t>
+              <a:t>Q: What is the concept of 'rescaling symmetry' in a Transformer, and what does it reveal about the model's operations?</a:t>
             </a:r>
           </a:p>
         </p:txBody>
@@ -3692,7 +3693,7 @@
               </a:defRPr>
             </a:pPr>
             <a:r>
-              <a:t>A: The purpose of backpropagation is to work backward from the error and calculate exactly how much each connection weight contributed to it. This allows the network to make precise adjustments to those weights to reduce the error on the next attempt.</a:t>
+              <a:t>A: Rescaling symmetry is a property where a model's internal parameters (weights and biases) can be drastically changed, yet the final output remains exactly the same. This reveals the model has a deep internal flexibility and is not dependent on one specific set of values to reach the right conclusion.</a:t>
             </a:r>
           </a:p>
         </p:txBody>
@@ -3727,7 +3728,7 @@
               </a:defRPr>
             </a:pPr>
             <a:r>
-              <a:t>💡 Hint: It's like a coach reviewing a game tape to tell each player exactly what they did wrong and how to correct it for the next play.</a:t>
+              <a:t>💡 Hint: Consider the relationship between the *internal* state of the model and its *final* result. Are they always rigidly linked?</a:t>
             </a:r>
           </a:p>
         </p:txBody>
@@ -3763,6 +3764,210 @@
             </a:pPr>
             <a:r>
               <a:t>MEDIUM</a:t>
+            </a:r>
+          </a:p>
+        </p:txBody>
+      </p:sp>
+    </p:spTree>
+  </p:cSld>
+  <p:clrMapOvr>
+    <a:masterClrMapping/>
+  </p:clrMapOvr>
+</p:sld>
+</file>
+
+<file path=ppt/slides/slide5.xml><?xml version="1.0" encoding="utf-8"?>
+<p:sld xmlns:a="http://schemas.openxmlformats.org/drawingml/2006/main" xmlns:p="http://schemas.openxmlformats.org/presentationml/2006/main" xmlns:r="http://schemas.openxmlformats.org/officeDocument/2006/relationships">
+  <p:cSld>
+    <p:bg>
+      <p:bgPr>
+        <a:solidFill>
+          <a:srgbClr val="F8F9FA"/>
+        </a:solidFill>
+        <a:effectLst/>
+      </p:bgPr>
+    </p:bg>
+    <p:spTree>
+      <p:nvGrpSpPr>
+        <p:cNvPr id="1" name=""/>
+        <p:cNvGrpSpPr/>
+        <p:nvPr/>
+      </p:nvGrpSpPr>
+      <p:grpSpPr/>
+      <p:sp>
+        <p:nvSpPr>
+          <p:cNvPr id="2" name="TextBox 1"/>
+          <p:cNvSpPr txBox="1"/>
+          <p:nvPr/>
+        </p:nvSpPr>
+        <p:spPr>
+          <a:xfrm>
+            <a:off x="457200" y="274320"/>
+            <a:ext cx="8229600" cy="548640"/>
+          </a:xfrm>
+          <a:prstGeom prst="rect">
+            <a:avLst/>
+          </a:prstGeom>
+          <a:noFill/>
+        </p:spPr>
+        <p:txBody>
+          <a:bodyPr wrap="none">
+            <a:spAutoFit/>
+          </a:bodyPr>
+          <a:lstStyle/>
+          <a:p>
+            <a:pPr algn="ctr">
+              <a:defRPr sz="1600" b="1">
+                <a:solidFill>
+                  <a:srgbClr val="34495E"/>
+                </a:solidFill>
+              </a:defRPr>
+            </a:pPr>
+            <a:r>
+              <a:t>Card 4 - Benefits of Understanding AI Structure</a:t>
+            </a:r>
+          </a:p>
+        </p:txBody>
+      </p:sp>
+      <p:sp>
+        <p:nvSpPr>
+          <p:cNvPr id="3" name="TextBox 2"/>
+          <p:cNvSpPr txBox="1"/>
+          <p:nvPr/>
+        </p:nvSpPr>
+        <p:spPr>
+          <a:xfrm>
+            <a:off x="914400" y="1097280"/>
+            <a:ext cx="7315200" cy="1828800"/>
+          </a:xfrm>
+          <a:prstGeom prst="rect">
+            <a:avLst/>
+          </a:prstGeom>
+          <a:noFill/>
+        </p:spPr>
+        <p:txBody>
+          <a:bodyPr wrap="square" lIns="182880" rIns="182880" tIns="91440">
+            <a:spAutoFit/>
+          </a:bodyPr>
+          <a:lstStyle/>
+          <a:p>
+            <a:pPr algn="l">
+              <a:defRPr sz="2200" b="1">
+                <a:solidFill>
+                  <a:srgbClr val="212529"/>
+                </a:solidFill>
+              </a:defRPr>
+            </a:pPr>
+            <a:r>
+              <a:t>Q: The text outlines three main benefits of understanding the deep structure of AI. What is the key takeaway for our ability to create future AI?</a:t>
+            </a:r>
+          </a:p>
+        </p:txBody>
+      </p:sp>
+      <p:sp>
+        <p:nvSpPr>
+          <p:cNvPr id="4" name="TextBox 3"/>
+          <p:cNvSpPr txBox="1"/>
+          <p:nvPr/>
+        </p:nvSpPr>
+        <p:spPr>
+          <a:xfrm>
+            <a:off x="914400" y="3200400"/>
+            <a:ext cx="7315200" cy="2286000"/>
+          </a:xfrm>
+          <a:prstGeom prst="rect">
+            <a:avLst/>
+          </a:prstGeom>
+          <a:noFill/>
+        </p:spPr>
+        <p:txBody>
+          <a:bodyPr wrap="square" lIns="182880" rIns="182880" tIns="91440">
+            <a:spAutoFit/>
+          </a:bodyPr>
+          <a:lstStyle/>
+          <a:p>
+            <a:pPr algn="l">
+              <a:spcAft>
+                <a:spcPts val="600"/>
+              </a:spcAft>
+              <a:defRPr sz="1800">
+                <a:solidFill>
+                  <a:srgbClr val="343A40"/>
+                </a:solidFill>
+              </a:defRPr>
+            </a:pPr>
+            <a:r>
+              <a:t>A: The key takeaway is that this deep understanding allows us to move from simply *using* AI to intelligently *designing* novel and more powerful architectures for the future.</a:t>
+            </a:r>
+          </a:p>
+        </p:txBody>
+      </p:sp>
+      <p:sp>
+        <p:nvSpPr>
+          <p:cNvPr id="5" name="TextBox 4"/>
+          <p:cNvSpPr txBox="1"/>
+          <p:nvPr/>
+        </p:nvSpPr>
+        <p:spPr>
+          <a:xfrm>
+            <a:off x="914400" y="5669280"/>
+            <a:ext cx="7315200" cy="914400"/>
+          </a:xfrm>
+          <a:prstGeom prst="rect">
+            <a:avLst/>
+          </a:prstGeom>
+          <a:noFill/>
+        </p:spPr>
+        <p:txBody>
+          <a:bodyPr wrap="square" lIns="182880">
+            <a:spAutoFit/>
+          </a:bodyPr>
+          <a:lstStyle/>
+          <a:p>
+            <a:pPr algn="l">
+              <a:defRPr sz="1400" i="1">
+                <a:solidFill>
+                  <a:srgbClr val="6C757D"/>
+                </a:solidFill>
+              </a:defRPr>
+            </a:pPr>
+            <a:r>
+              <a:t>💡 Hint: The answer focuses on how this knowledge changes our role from being a user to being a creator or architect.</a:t>
+            </a:r>
+          </a:p>
+        </p:txBody>
+      </p:sp>
+      <p:sp>
+        <p:nvSpPr>
+          <p:cNvPr id="6" name="TextBox 5"/>
+          <p:cNvSpPr txBox="1"/>
+          <p:nvPr/>
+        </p:nvSpPr>
+        <p:spPr>
+          <a:xfrm>
+            <a:off x="7315200" y="6583680"/>
+            <a:ext cx="1371600" cy="457200"/>
+          </a:xfrm>
+          <a:prstGeom prst="rect">
+            <a:avLst/>
+          </a:prstGeom>
+          <a:noFill/>
+        </p:spPr>
+        <p:txBody>
+          <a:bodyPr wrap="none">
+            <a:spAutoFit/>
+          </a:bodyPr>
+          <a:lstStyle/>
+          <a:p>
+            <a:pPr algn="ctr">
+              <a:defRPr sz="1200" b="1">
+                <a:solidFill>
+                  <a:srgbClr val="28A745"/>
+                </a:solidFill>
+              </a:defRPr>
+            </a:pPr>
+            <a:r>
+              <a:t>EASY</a:t>
             </a:r>
           </a:p>
         </p:txBody>
